--- a/Navacharak-IRC.pptx
+++ b/Navacharak-IRC.pptx
@@ -280,7 +280,7 @@
   </p:defaultTextStyle>
   <p:extLst>
     <p:ext uri="http://customooxmlschemas.google.com/">
-      <go:slidesCustomData xmlns:go="http://customooxmlschemas.google.com/" r:id="rId29" roundtripDataSignature="AMtx7mjzVLhR9AUA3iEBRVVnpb6P7c5uEw=="/>
+      <go:slidesCustomData xmlns:go="http://customooxmlschemas.google.com/" r:id="rId29" roundtripDataSignature="AMtx7mgx/g5z4ibnw7WCgf3u7dptJMYo8Q=="/>
     </p:ext>
   </p:extLst>
 </p:presentation>
@@ -17258,19 +17258,7 @@
             </a:pPr>
             <a:r>
               <a:rPr lang="en-US" sz="3300"/>
-              <a:t>Template for Presentation</a:t>
-            </a:r>
-            <a:br>
-              <a:rPr lang="en-US" sz="3300"/>
-            </a:br>
-            <a:r>
-              <a:rPr lang="en-US" sz="1800">
-                <a:latin typeface="Rubik Light"/>
-                <a:ea typeface="Rubik Light"/>
-                <a:cs typeface="Rubik Light"/>
-                <a:sym typeface="Rubik Light"/>
-              </a:rPr>
-              <a:t>7th &amp; 8th January 2023</a:t>
+              <a:t>Navacharak - IRC Senior Team</a:t>
             </a:r>
             <a:endParaRPr/>
           </a:p>
@@ -17326,56 +17314,97 @@
                 <a:cs typeface="Rubik Light"/>
                 <a:sym typeface="Rubik Light"/>
               </a:rPr>
-              <a:t>When editing this template, it is mandatory to keep all the slides. </a:t>
-            </a:r>
-            <a:br>
-              <a:rPr lang="en-US" sz="1200">
-                <a:solidFill>
-                  <a:schemeClr val="dk1"/>
-                </a:solidFill>
-                <a:latin typeface="Rubik Light"/>
-                <a:ea typeface="Rubik Light"/>
-                <a:cs typeface="Rubik Light"/>
-                <a:sym typeface="Rubik Light"/>
-              </a:rPr>
-            </a:br>
-            <a:r>
-              <a:rPr lang="en-US" sz="1200">
-                <a:solidFill>
-                  <a:schemeClr val="dk1"/>
-                </a:solidFill>
-                <a:latin typeface="Rubik Light"/>
-                <a:ea typeface="Rubik Light"/>
-                <a:cs typeface="Rubik Light"/>
-                <a:sym typeface="Rubik Light"/>
-              </a:rPr>
-              <a:t>You </a:t>
-            </a:r>
-            <a:r>
-              <a:rPr lang="en-US" sz="1200">
-                <a:solidFill>
-                  <a:schemeClr val="dk1"/>
-                </a:solidFill>
-                <a:latin typeface="Rubik Medium"/>
-                <a:ea typeface="Rubik Medium"/>
-                <a:cs typeface="Rubik Medium"/>
-                <a:sym typeface="Rubik Medium"/>
-              </a:rPr>
-              <a:t>must not add or delete any of the slides or change the sequence.</a:t>
-            </a:r>
-            <a:r>
-              <a:rPr lang="en-US" sz="1200">
-                <a:solidFill>
-                  <a:schemeClr val="dk1"/>
-                </a:solidFill>
-                <a:latin typeface="Rubik Light"/>
-                <a:ea typeface="Rubik Light"/>
-                <a:cs typeface="Rubik Light"/>
-                <a:sym typeface="Rubik Light"/>
-              </a:rPr>
-              <a:t> However, you may re-design the slides as per you.</a:t>
+              <a:t>Team Essentials:-</a:t>
             </a:r>
             <a:endParaRPr sz="1200">
+              <a:solidFill>
+                <a:schemeClr val="dk1"/>
+              </a:solidFill>
+              <a:latin typeface="Rubik Light"/>
+              <a:ea typeface="Rubik Light"/>
+              <a:cs typeface="Rubik Light"/>
+              <a:sym typeface="Rubik Light"/>
+            </a:endParaRPr>
+          </a:p>
+          <a:p>
+            <a:pPr indent="0" lvl="0" marL="0" rtl="0" algn="l">
+              <a:lnSpc>
+                <a:spcPct val="100000"/>
+              </a:lnSpc>
+              <a:spcBef>
+                <a:spcPts val="0"/>
+              </a:spcBef>
+              <a:spcAft>
+                <a:spcPts val="0"/>
+              </a:spcAft>
+              <a:buSzPts val="1500"/>
+              <a:buNone/>
+            </a:pPr>
+            <a:r>
+              <a:rPr b="1" lang="en-US" sz="1200">
+                <a:solidFill>
+                  <a:schemeClr val="dk1"/>
+                </a:solidFill>
+              </a:rPr>
+              <a:t>	Pranshu Gahlawat</a:t>
+            </a:r>
+            <a:endParaRPr b="1" sz="1200">
+              <a:solidFill>
+                <a:schemeClr val="dk1"/>
+              </a:solidFill>
+            </a:endParaRPr>
+          </a:p>
+          <a:p>
+            <a:pPr indent="0" lvl="0" marL="0" rtl="0" algn="l">
+              <a:lnSpc>
+                <a:spcPct val="100000"/>
+              </a:lnSpc>
+              <a:spcBef>
+                <a:spcPts val="0"/>
+              </a:spcBef>
+              <a:spcAft>
+                <a:spcPts val="0"/>
+              </a:spcAft>
+              <a:buSzPts val="1500"/>
+              <a:buNone/>
+            </a:pPr>
+            <a:r>
+              <a:rPr b="1" lang="en-US" sz="1200">
+                <a:solidFill>
+                  <a:schemeClr val="dk1"/>
+                </a:solidFill>
+              </a:rPr>
+              <a:t>	Lovish Narwal</a:t>
+            </a:r>
+            <a:endParaRPr b="1" sz="1200">
+              <a:solidFill>
+                <a:schemeClr val="dk1"/>
+              </a:solidFill>
+            </a:endParaRPr>
+          </a:p>
+          <a:p>
+            <a:pPr indent="0" lvl="0" marL="0" rtl="0" algn="l">
+              <a:lnSpc>
+                <a:spcPct val="100000"/>
+              </a:lnSpc>
+              <a:spcBef>
+                <a:spcPts val="0"/>
+              </a:spcBef>
+              <a:spcAft>
+                <a:spcPts val="0"/>
+              </a:spcAft>
+              <a:buSzPts val="1500"/>
+              <a:buNone/>
+            </a:pPr>
+            <a:r>
+              <a:rPr b="1" lang="en-US" sz="1200">
+                <a:solidFill>
+                  <a:schemeClr val="dk1"/>
+                </a:solidFill>
+              </a:rPr>
+              <a:t>	Navdeep Rana</a:t>
+            </a:r>
+            <a:endParaRPr b="1" sz="1200">
               <a:solidFill>
                 <a:schemeClr val="dk1"/>
               </a:solidFill>
@@ -18013,32 +18042,6 @@
           <p:nvPr/>
         </p:nvCxnSpPr>
         <p:spPr>
-          <a:xfrm rot="10800000">
-            <a:off x="3487575" y="1756300"/>
-            <a:ext cx="42900" cy="2189100"/>
-          </a:xfrm>
-          <a:prstGeom prst="straightConnector1">
-            <a:avLst/>
-          </a:prstGeom>
-          <a:noFill/>
-          <a:ln cap="flat" cmpd="sng" w="19050">
-            <a:solidFill>
-              <a:schemeClr val="dk1"/>
-            </a:solidFill>
-            <a:prstDash val="solid"/>
-            <a:round/>
-            <a:headEnd len="med" w="med" type="none"/>
-            <a:tailEnd len="med" w="med" type="none"/>
-          </a:ln>
-        </p:spPr>
-      </p:cxnSp>
-      <p:cxnSp>
-        <p:nvCxnSpPr>
-          <p:cNvPr id="119" name="Google Shape;119;p2"/>
-          <p:cNvCxnSpPr/>
-          <p:nvPr/>
-        </p:nvCxnSpPr>
-        <p:spPr>
           <a:xfrm flipH="1" rot="10800000">
             <a:off x="6334725" y="1684975"/>
             <a:ext cx="28500" cy="2296200"/>
@@ -18060,7 +18063,7 @@
       </p:cxnSp>
       <p:pic>
         <p:nvPicPr>
-          <p:cNvPr id="120" name="Google Shape;120;p2"/>
+          <p:cNvPr id="119" name="Google Shape;119;p2"/>
           <p:cNvPicPr preferRelativeResize="0"/>
           <p:nvPr/>
         </p:nvPicPr>
@@ -18085,6 +18088,32 @@
           </a:ln>
         </p:spPr>
       </p:pic>
+      <p:cxnSp>
+        <p:nvCxnSpPr>
+          <p:cNvPr id="120" name="Google Shape;120;p2"/>
+          <p:cNvCxnSpPr/>
+          <p:nvPr/>
+        </p:nvCxnSpPr>
+        <p:spPr>
+          <a:xfrm>
+            <a:off x="3408975" y="1700225"/>
+            <a:ext cx="35400" cy="2235600"/>
+          </a:xfrm>
+          <a:prstGeom prst="straightConnector1">
+            <a:avLst/>
+          </a:prstGeom>
+          <a:noFill/>
+          <a:ln cap="flat" cmpd="sng" w="9525">
+            <a:solidFill>
+              <a:schemeClr val="dk1"/>
+            </a:solidFill>
+            <a:prstDash val="solid"/>
+            <a:round/>
+            <a:headEnd len="med" w="med" type="none"/>
+            <a:tailEnd len="med" w="med" type="none"/>
+          </a:ln>
+        </p:spPr>
+      </p:cxnSp>
     </p:spTree>
   </p:cSld>
   <p:clrMapOvr>
@@ -19035,7 +19064,7 @@
                 <a:cs typeface="Rubik Medium"/>
                 <a:sym typeface="Rubik Medium"/>
               </a:rPr>
-              <a:t>front, We have used a torque motor to rotate the arm up and down because we wanted to make it simple and steady.The design made is very optimized and compact all thanks goes to our </a:t>
+              <a:t>front, We have used a torque motor to rotate the arm up and down because we wanted to make it simple and steady.The design made is very optimized and compact as we have not used any unnecessary parts in it all thanks goes to our </a:t>
             </a:r>
             <a:r>
               <a:rPr b="1" lang="en-US" sz="2000">
@@ -19297,7 +19326,7 @@
                 <a:cs typeface="Rubik Medium"/>
                 <a:sym typeface="Rubik Medium"/>
               </a:rPr>
-              <a:t>The Program made is very optimised as various variables and functions have also been made for easy code understanding and there a repeat while loop is used in which there is an if statement with many cases making it a very easy going code with an optimum use of variables, functions, if statements, color sensors,display and many more all thanks to our </a:t>
+              <a:t>The Program made is very optimised as various variables and functions have also been made for easy code understanding and there a repeat while loop is used in which there is an if statement with many cases making it a very easy going code with an optimum use of variables, functions, if statements, color sensors,display and many more to keep the program simple and easy to understand all thanks to our </a:t>
             </a:r>
             <a:r>
               <a:rPr b="1" lang="en-US" sz="1400">
@@ -20071,42 +20100,6 @@
                 <a:hlinkClick r:id="rId3"/>
               </a:rPr>
               <a:t>https://metpranshug.github.io/Navacharak/index.html</a:t>
-            </a:r>
-            <a:endParaRPr sz="2000">
-              <a:solidFill>
-                <a:srgbClr val="FF0000"/>
-              </a:solidFill>
-              <a:latin typeface="Rubik Medium"/>
-              <a:ea typeface="Rubik Medium"/>
-              <a:cs typeface="Rubik Medium"/>
-              <a:sym typeface="Rubik Medium"/>
-            </a:endParaRPr>
-          </a:p>
-          <a:p>
-            <a:pPr indent="0" lvl="0" marL="0" rtl="0" algn="ctr">
-              <a:lnSpc>
-                <a:spcPct val="100000"/>
-              </a:lnSpc>
-              <a:spcBef>
-                <a:spcPts val="0"/>
-              </a:spcBef>
-              <a:spcAft>
-                <a:spcPts val="0"/>
-              </a:spcAft>
-              <a:buSzPts val="2400"/>
-              <a:buNone/>
-            </a:pPr>
-            <a:r>
-              <a:rPr lang="en-US" sz="2000">
-                <a:solidFill>
-                  <a:srgbClr val="FF0000"/>
-                </a:solidFill>
-                <a:latin typeface="Rubik Medium"/>
-                <a:ea typeface="Rubik Medium"/>
-                <a:cs typeface="Rubik Medium"/>
-                <a:sym typeface="Rubik Medium"/>
-              </a:rPr>
-              <a:t>Youtube URL:-</a:t>
             </a:r>
             <a:endParaRPr sz="2000">
               <a:solidFill>
